--- a/maze_solver[1].pptx
+++ b/maze_solver[1].pptx
@@ -203,7 +203,7 @@
           <a:p>
             <a:fld id="{86EF56DB-6447-4E9A-8D0B-327B958AB26D}" type="datetimeFigureOut">
               <a:rPr lang="en-US" smtClean="0"/>
-              <a:t>11/5/2025</a:t>
+              <a:t>11/12/2025</a:t>
             </a:fld>
             <a:endParaRPr lang="en-US"/>
           </a:p>
@@ -594,7 +594,7 @@
           <a:p>
             <a:fld id="{36A8A127-BB09-41A4-B1CB-CF09F8E9604A}" type="datetime1">
               <a:rPr lang="en-US" smtClean="0"/>
-              <a:t>11/5/2025</a:t>
+              <a:t>11/12/2025</a:t>
             </a:fld>
             <a:endParaRPr lang="en-US"/>
           </a:p>
@@ -757,7 +757,7 @@
           <a:p>
             <a:fld id="{850BF149-3A71-4B38-9BDE-7A4D7C7AB1AD}" type="datetime1">
               <a:rPr lang="en-US" smtClean="0"/>
-              <a:t>11/5/2025</a:t>
+              <a:t>11/12/2025</a:t>
             </a:fld>
             <a:endParaRPr lang="en-US"/>
           </a:p>
@@ -930,7 +930,7 @@
           <a:p>
             <a:fld id="{25415CF1-83E4-4056-B983-BD617F30DAFA}" type="datetime1">
               <a:rPr lang="en-US" smtClean="0"/>
-              <a:t>11/5/2025</a:t>
+              <a:t>11/12/2025</a:t>
             </a:fld>
             <a:endParaRPr lang="en-US"/>
           </a:p>
@@ -1093,7 +1093,7 @@
           <a:p>
             <a:fld id="{42A9C543-C1A5-4BB5-A80B-9531F5C51CEB}" type="datetime1">
               <a:rPr lang="en-US" smtClean="0"/>
-              <a:t>11/5/2025</a:t>
+              <a:t>11/12/2025</a:t>
             </a:fld>
             <a:endParaRPr lang="en-US"/>
           </a:p>
@@ -1333,7 +1333,7 @@
           <a:p>
             <a:fld id="{85DB2ABE-BEC8-4A12-8AF2-3E9347C9F9C5}" type="datetime1">
               <a:rPr lang="en-US" smtClean="0"/>
-              <a:t>11/5/2025</a:t>
+              <a:t>11/12/2025</a:t>
             </a:fld>
             <a:endParaRPr lang="en-US"/>
           </a:p>
@@ -1557,7 +1557,7 @@
           <a:p>
             <a:fld id="{E457CA91-FD83-4EFE-93EA-63992C03614F}" type="datetime1">
               <a:rPr lang="en-US" smtClean="0"/>
-              <a:t>11/5/2025</a:t>
+              <a:t>11/12/2025</a:t>
             </a:fld>
             <a:endParaRPr lang="en-US"/>
           </a:p>
@@ -1916,7 +1916,7 @@
           <a:p>
             <a:fld id="{07D6C43A-13E2-48A2-BAE5-CC73887FC199}" type="datetime1">
               <a:rPr lang="en-US" smtClean="0"/>
-              <a:t>11/5/2025</a:t>
+              <a:t>11/12/2025</a:t>
             </a:fld>
             <a:endParaRPr lang="en-US"/>
           </a:p>
@@ -2028,7 +2028,7 @@
           <a:p>
             <a:fld id="{4EA2C5D3-416C-4131-8BC9-E71DA97D5A64}" type="datetime1">
               <a:rPr lang="en-US" smtClean="0"/>
-              <a:t>11/5/2025</a:t>
+              <a:t>11/12/2025</a:t>
             </a:fld>
             <a:endParaRPr lang="en-US"/>
           </a:p>
@@ -2118,7 +2118,7 @@
           <a:p>
             <a:fld id="{B8971593-8386-48B7-BB85-87C0949B2086}" type="datetime1">
               <a:rPr lang="en-US" smtClean="0"/>
-              <a:t>11/5/2025</a:t>
+              <a:t>11/12/2025</a:t>
             </a:fld>
             <a:endParaRPr lang="en-US"/>
           </a:p>
@@ -2388,7 +2388,7 @@
           <a:p>
             <a:fld id="{3070F398-88D3-4D2F-9F7E-785BF8AD0274}" type="datetime1">
               <a:rPr lang="en-US" smtClean="0"/>
-              <a:t>11/5/2025</a:t>
+              <a:t>11/12/2025</a:t>
             </a:fld>
             <a:endParaRPr lang="en-US"/>
           </a:p>
@@ -2635,7 +2635,7 @@
           <a:p>
             <a:fld id="{CE1A94C1-07AC-4775-8A4F-70BB05306BF7}" type="datetime1">
               <a:rPr lang="en-US" smtClean="0"/>
-              <a:t>11/5/2025</a:t>
+              <a:t>11/12/2025</a:t>
             </a:fld>
             <a:endParaRPr lang="en-US"/>
           </a:p>
@@ -2841,7 +2841,7 @@
           <a:p>
             <a:fld id="{A7FA37CB-3111-4E43-978B-840B0C3E984E}" type="datetime1">
               <a:rPr lang="en-US" smtClean="0"/>
-              <a:t>11/5/2025</a:t>
+              <a:t>11/12/2025</a:t>
             </a:fld>
             <a:endParaRPr lang="en-US"/>
           </a:p>
@@ -3708,7 +3708,7 @@
           <a:p>
             <a:fld id="{F9B0B098-7844-408D-9BB3-6B083FBEE8AA}" type="datetime1">
               <a:rPr lang="en-US" smtClean="0"/>
-              <a:t>11/5/2025</a:t>
+              <a:t>11/12/2025</a:t>
             </a:fld>
             <a:endParaRPr lang="en-US"/>
           </a:p>
@@ -3913,7 +3913,7 @@
           <a:p>
             <a:fld id="{316FBEDF-053F-468F-8CCF-D1ACE4FBB50D}" type="datetime1">
               <a:rPr lang="en-US" smtClean="0"/>
-              <a:t>11/5/2025</a:t>
+              <a:t>11/12/2025</a:t>
             </a:fld>
             <a:endParaRPr lang="en-US"/>
           </a:p>
@@ -4167,7 +4167,7 @@
           <a:p>
             <a:fld id="{316FBEDF-053F-468F-8CCF-D1ACE4FBB50D}" type="datetime1">
               <a:rPr lang="en-US" smtClean="0"/>
-              <a:t>11/5/2025</a:t>
+              <a:t>11/12/2025</a:t>
             </a:fld>
             <a:endParaRPr lang="en-US"/>
           </a:p>
@@ -4324,7 +4324,7 @@
           <a:p>
             <a:fld id="{C5480D13-07B8-4CF5-901F-BD1025D74351}" type="datetime1">
               <a:rPr lang="en-US" smtClean="0"/>
-              <a:t>11/5/2025</a:t>
+              <a:t>11/12/2025</a:t>
             </a:fld>
             <a:endParaRPr lang="en-US"/>
           </a:p>
@@ -4362,14 +4362,14 @@
           <p:nvPr>
             <p:extLst>
               <p:ext uri="{D42A27DB-BD31-4B8C-83A1-F6EECF244321}">
-                <p14:modId xmlns:p14="http://schemas.microsoft.com/office/powerpoint/2010/main" val="4060892526"/>
+                <p14:modId xmlns:p14="http://schemas.microsoft.com/office/powerpoint/2010/main" val="2432765946"/>
               </p:ext>
             </p:extLst>
           </p:nvPr>
         </p:nvGraphicFramePr>
         <p:xfrm>
           <a:off x="1854200" y="2205222"/>
-          <a:ext cx="9787194" cy="1478280"/>
+          <a:ext cx="9681795" cy="1478280"/>
         </p:xfrm>
         <a:graphic>
           <a:graphicData uri="http://schemas.openxmlformats.org/drawingml/2006/table">
@@ -4378,7 +4378,7 @@
                 <a:tableStyleId>{21E4AEA4-8DFA-4A89-87EB-49C32662AFE0}</a:tableStyleId>
               </a:tblPr>
               <a:tblGrid>
-                <a:gridCol w="3032432">
+                <a:gridCol w="2927033">
                   <a:extLst>
                     <a:ext uri="{9D8B030D-6E8A-4147-A177-3AD203B41FA5}">
                       <a16:colId xmlns:a16="http://schemas.microsoft.com/office/drawing/2014/main" val="20000"/>
@@ -4592,7 +4592,7 @@
                             <a:schemeClr val="tx1"/>
                           </a:solidFill>
                         </a:rPr>
-                        <a:t>https://github.com/avanindh2-sudo/aiminiproject.git</a:t>
+                        <a:t>https://github.com/avanindh2-sudo/aiminiproject</a:t>
                       </a:r>
                     </a:p>
                   </a:txBody>
@@ -4714,7 +4714,7 @@
                             <a:schemeClr val="tx1"/>
                           </a:solidFill>
                         </a:rPr>
-                        <a:t>https://github.com/avanindh2-sudo/aiminiproject.git</a:t>
+                        <a:t>https://github.com/avanindh2-sudo/aiminiproject</a:t>
                       </a:r>
                     </a:p>
                   </a:txBody>
@@ -4834,15 +4834,9 @@
                         <a:buNone/>
                       </a:pPr>
                       <a:r>
-                        <a:rPr lang="en-US" sz="1800" b="0" i="0" u="none" strike="noStrike" noProof="0">
-                          <a:solidFill>
-                            <a:schemeClr val="tx1"/>
-                          </a:solidFill>
-                          <a:latin typeface="+mn-lt"/>
-                        </a:rPr>
-                        <a:t>https://github.com/avanindh2-sudo/aiminiproject.git</a:t>
+                        <a:rPr lang="en-US" dirty="0"/>
+                        <a:t>https://github.com/avanindh2-sudo/aiminiproject</a:t>
                       </a:r>
-                      <a:endParaRPr lang="en-US" dirty="0"/>
                     </a:p>
                   </a:txBody>
                   <a:tcPr>
@@ -5089,7 +5083,7 @@
           <a:p>
             <a:fld id="{C5480D13-07B8-4CF5-901F-BD1025D74351}" type="datetime1">
               <a:rPr lang="en-US" smtClean="0"/>
-              <a:t>11/5/2025</a:t>
+              <a:t>11/12/2025</a:t>
             </a:fld>
             <a:endParaRPr lang="en-US"/>
           </a:p>
@@ -5253,7 +5247,7 @@
           <a:p>
             <a:fld id="{C5480D13-07B8-4CF5-901F-BD1025D74351}" type="datetime1">
               <a:rPr lang="en-US" smtClean="0"/>
-              <a:t>11/5/2025</a:t>
+              <a:t>11/12/2025</a:t>
             </a:fld>
             <a:endParaRPr lang="en-US"/>
           </a:p>
@@ -5406,7 +5400,7 @@
           <a:p>
             <a:fld id="{C5480D13-07B8-4CF5-901F-BD1025D74351}" type="datetime1">
               <a:rPr lang="en-US" smtClean="0"/>
-              <a:t>11/5/2025</a:t>
+              <a:t>11/12/2025</a:t>
             </a:fld>
             <a:endParaRPr lang="en-US"/>
           </a:p>
